--- a/Marketing Automation for Network4cars.pptx
+++ b/Marketing Automation for Network4cars.pptx
@@ -1329,6 +1329,581 @@
       <dsp:cNvGrpSpPr/>
     </dsp:nvGrpSpPr>
     <dsp:grpSpPr/>
+    <dsp:sp modelId="{BA8BF9D6-A595-4F1D-BF02-637A66A9B3DC}">
+      <dsp:nvSpPr>
+        <dsp:cNvPr id="0" name=""/>
+        <dsp:cNvSpPr/>
+      </dsp:nvSpPr>
+      <dsp:spPr>
+        <a:xfrm>
+          <a:off x="4113586" y="24238"/>
+          <a:ext cx="853755" cy="853755"/>
+        </a:xfrm>
+        <a:prstGeom prst="rect">
+          <a:avLst/>
+        </a:prstGeom>
+        <a:noFill/>
+        <a:ln>
+          <a:noFill/>
+        </a:ln>
+        <a:effectLst/>
+      </dsp:spPr>
+      <dsp:style>
+        <a:lnRef idx="0">
+          <a:scrgbClr r="0" g="0" b="0"/>
+        </a:lnRef>
+        <a:fillRef idx="0">
+          <a:scrgbClr r="0" g="0" b="0"/>
+        </a:fillRef>
+        <a:effectRef idx="0">
+          <a:scrgbClr r="0" g="0" b="0"/>
+        </a:effectRef>
+        <a:fontRef idx="minor"/>
+      </dsp:style>
+      <dsp:txBody>
+        <a:bodyPr spcFirstLastPara="0" vert="horz" wrap="square" lIns="17780" tIns="17780" rIns="17780" bIns="17780" numCol="1" spcCol="1270" anchor="ctr" anchorCtr="0">
+          <a:noAutofit/>
+        </a:bodyPr>
+        <a:lstStyle/>
+        <a:p>
+          <a:pPr lvl="0" algn="ctr" defTabSz="622300">
+            <a:lnSpc>
+              <a:spcPct val="90000"/>
+            </a:lnSpc>
+            <a:spcBef>
+              <a:spcPct val="0"/>
+            </a:spcBef>
+            <a:spcAft>
+              <a:spcPct val="35000"/>
+            </a:spcAft>
+          </a:pPr>
+          <a:r>
+            <a:rPr lang="en-GB" sz="1400" kern="1200" dirty="0" smtClean="0"/>
+            <a:t>Learn</a:t>
+          </a:r>
+          <a:endParaRPr lang="en-US" sz="1400" kern="1200" dirty="0"/>
+        </a:p>
+      </dsp:txBody>
+      <dsp:txXfrm>
+        <a:off x="4113586" y="24238"/>
+        <a:ext cx="853755" cy="853755"/>
+      </dsp:txXfrm>
+    </dsp:sp>
+    <dsp:sp modelId="{4593AB70-B902-4D25-9AF7-C4D4F424D14B}">
+      <dsp:nvSpPr>
+        <dsp:cNvPr id="0" name=""/>
+        <dsp:cNvSpPr/>
+      </dsp:nvSpPr>
+      <dsp:spPr>
+        <a:xfrm>
+          <a:off x="2101729" y="-883"/>
+          <a:ext cx="3205402" cy="3205402"/>
+        </a:xfrm>
+        <a:prstGeom prst="circularArrow">
+          <a:avLst>
+            <a:gd name="adj1" fmla="val 5194"/>
+            <a:gd name="adj2" fmla="val 335450"/>
+            <a:gd name="adj3" fmla="val 21295127"/>
+            <a:gd name="adj4" fmla="val 19764587"/>
+            <a:gd name="adj5" fmla="val 6059"/>
+          </a:avLst>
+        </a:prstGeom>
+        <a:solidFill>
+          <a:schemeClr val="accent1">
+            <a:hueOff val="0"/>
+            <a:satOff val="0"/>
+            <a:lumOff val="0"/>
+            <a:alphaOff val="0"/>
+          </a:schemeClr>
+        </a:solidFill>
+        <a:ln w="19050" cap="flat" cmpd="sng" algn="ctr">
+          <a:solidFill>
+            <a:schemeClr val="lt1">
+              <a:hueOff val="0"/>
+              <a:satOff val="0"/>
+              <a:lumOff val="0"/>
+              <a:alphaOff val="0"/>
+            </a:schemeClr>
+          </a:solidFill>
+          <a:prstDash val="solid"/>
+        </a:ln>
+        <a:effectLst/>
+      </dsp:spPr>
+      <dsp:style>
+        <a:lnRef idx="2">
+          <a:scrgbClr r="0" g="0" b="0"/>
+        </a:lnRef>
+        <a:fillRef idx="1">
+          <a:scrgbClr r="0" g="0" b="0"/>
+        </a:fillRef>
+        <a:effectRef idx="0">
+          <a:scrgbClr r="0" g="0" b="0"/>
+        </a:effectRef>
+        <a:fontRef idx="minor">
+          <a:schemeClr val="lt1"/>
+        </a:fontRef>
+      </dsp:style>
+    </dsp:sp>
+    <dsp:sp modelId="{2C12F855-CE33-42FE-87E1-A7D1D7183420}">
+      <dsp:nvSpPr>
+        <dsp:cNvPr id="0" name=""/>
+        <dsp:cNvSpPr/>
+      </dsp:nvSpPr>
+      <dsp:spPr>
+        <a:xfrm>
+          <a:off x="4630283" y="1614468"/>
+          <a:ext cx="853755" cy="853755"/>
+        </a:xfrm>
+        <a:prstGeom prst="rect">
+          <a:avLst/>
+        </a:prstGeom>
+        <a:noFill/>
+        <a:ln>
+          <a:noFill/>
+        </a:ln>
+        <a:effectLst/>
+      </dsp:spPr>
+      <dsp:style>
+        <a:lnRef idx="0">
+          <a:scrgbClr r="0" g="0" b="0"/>
+        </a:lnRef>
+        <a:fillRef idx="0">
+          <a:scrgbClr r="0" g="0" b="0"/>
+        </a:fillRef>
+        <a:effectRef idx="0">
+          <a:scrgbClr r="0" g="0" b="0"/>
+        </a:effectRef>
+        <a:fontRef idx="minor"/>
+      </dsp:style>
+      <dsp:txBody>
+        <a:bodyPr spcFirstLastPara="0" vert="horz" wrap="square" lIns="17780" tIns="17780" rIns="17780" bIns="17780" numCol="1" spcCol="1270" anchor="ctr" anchorCtr="0">
+          <a:noAutofit/>
+        </a:bodyPr>
+        <a:lstStyle/>
+        <a:p>
+          <a:pPr lvl="0" algn="ctr" defTabSz="622300">
+            <a:lnSpc>
+              <a:spcPct val="90000"/>
+            </a:lnSpc>
+            <a:spcBef>
+              <a:spcPct val="0"/>
+            </a:spcBef>
+            <a:spcAft>
+              <a:spcPct val="35000"/>
+            </a:spcAft>
+          </a:pPr>
+          <a:r>
+            <a:rPr lang="en-GB" sz="1400" kern="1200" dirty="0" smtClean="0"/>
+            <a:t>Try</a:t>
+          </a:r>
+          <a:endParaRPr lang="en-US" sz="1400" kern="1200" dirty="0"/>
+        </a:p>
+      </dsp:txBody>
+      <dsp:txXfrm>
+        <a:off x="4630283" y="1614468"/>
+        <a:ext cx="853755" cy="853755"/>
+      </dsp:txXfrm>
+    </dsp:sp>
+    <dsp:sp modelId="{26F3CDFF-BC84-4092-A815-647DD17483BD}">
+      <dsp:nvSpPr>
+        <dsp:cNvPr id="0" name=""/>
+        <dsp:cNvSpPr/>
+      </dsp:nvSpPr>
+      <dsp:spPr>
+        <a:xfrm>
+          <a:off x="2101729" y="-883"/>
+          <a:ext cx="3205402" cy="3205402"/>
+        </a:xfrm>
+        <a:prstGeom prst="circularArrow">
+          <a:avLst>
+            <a:gd name="adj1" fmla="val 5194"/>
+            <a:gd name="adj2" fmla="val 335450"/>
+            <a:gd name="adj3" fmla="val 4016652"/>
+            <a:gd name="adj4" fmla="val 2251639"/>
+            <a:gd name="adj5" fmla="val 6059"/>
+          </a:avLst>
+        </a:prstGeom>
+        <a:solidFill>
+          <a:schemeClr val="accent1">
+            <a:hueOff val="0"/>
+            <a:satOff val="0"/>
+            <a:lumOff val="0"/>
+            <a:alphaOff val="0"/>
+          </a:schemeClr>
+        </a:solidFill>
+        <a:ln w="19050" cap="flat" cmpd="sng" algn="ctr">
+          <a:solidFill>
+            <a:schemeClr val="lt1">
+              <a:hueOff val="0"/>
+              <a:satOff val="0"/>
+              <a:lumOff val="0"/>
+              <a:alphaOff val="0"/>
+            </a:schemeClr>
+          </a:solidFill>
+          <a:prstDash val="solid"/>
+        </a:ln>
+        <a:effectLst/>
+      </dsp:spPr>
+      <dsp:style>
+        <a:lnRef idx="2">
+          <a:scrgbClr r="0" g="0" b="0"/>
+        </a:lnRef>
+        <a:fillRef idx="1">
+          <a:scrgbClr r="0" g="0" b="0"/>
+        </a:fillRef>
+        <a:effectRef idx="0">
+          <a:scrgbClr r="0" g="0" b="0"/>
+        </a:effectRef>
+        <a:fontRef idx="minor">
+          <a:schemeClr val="lt1"/>
+        </a:fontRef>
+      </dsp:style>
+    </dsp:sp>
+    <dsp:sp modelId="{43E10DE1-0DCC-4993-AC34-CF3026F82A7F}">
+      <dsp:nvSpPr>
+        <dsp:cNvPr id="0" name=""/>
+        <dsp:cNvSpPr/>
+      </dsp:nvSpPr>
+      <dsp:spPr>
+        <a:xfrm>
+          <a:off x="3277553" y="2597285"/>
+          <a:ext cx="853755" cy="853755"/>
+        </a:xfrm>
+        <a:prstGeom prst="rect">
+          <a:avLst/>
+        </a:prstGeom>
+        <a:noFill/>
+        <a:ln>
+          <a:noFill/>
+        </a:ln>
+        <a:effectLst/>
+      </dsp:spPr>
+      <dsp:style>
+        <a:lnRef idx="0">
+          <a:scrgbClr r="0" g="0" b="0"/>
+        </a:lnRef>
+        <a:fillRef idx="0">
+          <a:scrgbClr r="0" g="0" b="0"/>
+        </a:fillRef>
+        <a:effectRef idx="0">
+          <a:scrgbClr r="0" g="0" b="0"/>
+        </a:effectRef>
+        <a:fontRef idx="minor"/>
+      </dsp:style>
+      <dsp:txBody>
+        <a:bodyPr spcFirstLastPara="0" vert="horz" wrap="square" lIns="17780" tIns="17780" rIns="17780" bIns="17780" numCol="1" spcCol="1270" anchor="ctr" anchorCtr="0">
+          <a:noAutofit/>
+        </a:bodyPr>
+        <a:lstStyle/>
+        <a:p>
+          <a:pPr lvl="0" algn="ctr" defTabSz="622300">
+            <a:lnSpc>
+              <a:spcPct val="90000"/>
+            </a:lnSpc>
+            <a:spcBef>
+              <a:spcPct val="0"/>
+            </a:spcBef>
+            <a:spcAft>
+              <a:spcPct val="35000"/>
+            </a:spcAft>
+          </a:pPr>
+          <a:r>
+            <a:rPr lang="en-GB" sz="1400" kern="1200" dirty="0" smtClean="0"/>
+            <a:t>Buy</a:t>
+          </a:r>
+          <a:endParaRPr lang="en-US" sz="1400" kern="1200" dirty="0"/>
+        </a:p>
+      </dsp:txBody>
+      <dsp:txXfrm>
+        <a:off x="3277553" y="2597285"/>
+        <a:ext cx="853755" cy="853755"/>
+      </dsp:txXfrm>
+    </dsp:sp>
+    <dsp:sp modelId="{4C7B1EB5-C308-48A9-BC6D-F74B58CA6635}">
+      <dsp:nvSpPr>
+        <dsp:cNvPr id="0" name=""/>
+        <dsp:cNvSpPr/>
+      </dsp:nvSpPr>
+      <dsp:spPr>
+        <a:xfrm>
+          <a:off x="2101729" y="-883"/>
+          <a:ext cx="3205402" cy="3205402"/>
+        </a:xfrm>
+        <a:prstGeom prst="circularArrow">
+          <a:avLst>
+            <a:gd name="adj1" fmla="val 5194"/>
+            <a:gd name="adj2" fmla="val 335450"/>
+            <a:gd name="adj3" fmla="val 8212911"/>
+            <a:gd name="adj4" fmla="val 6447898"/>
+            <a:gd name="adj5" fmla="val 6059"/>
+          </a:avLst>
+        </a:prstGeom>
+        <a:solidFill>
+          <a:schemeClr val="accent1">
+            <a:hueOff val="0"/>
+            <a:satOff val="0"/>
+            <a:lumOff val="0"/>
+            <a:alphaOff val="0"/>
+          </a:schemeClr>
+        </a:solidFill>
+        <a:ln w="19050" cap="flat" cmpd="sng" algn="ctr">
+          <a:solidFill>
+            <a:schemeClr val="lt1">
+              <a:hueOff val="0"/>
+              <a:satOff val="0"/>
+              <a:lumOff val="0"/>
+              <a:alphaOff val="0"/>
+            </a:schemeClr>
+          </a:solidFill>
+          <a:prstDash val="solid"/>
+        </a:ln>
+        <a:effectLst/>
+      </dsp:spPr>
+      <dsp:style>
+        <a:lnRef idx="2">
+          <a:scrgbClr r="0" g="0" b="0"/>
+        </a:lnRef>
+        <a:fillRef idx="1">
+          <a:scrgbClr r="0" g="0" b="0"/>
+        </a:fillRef>
+        <a:effectRef idx="0">
+          <a:scrgbClr r="0" g="0" b="0"/>
+        </a:effectRef>
+        <a:fontRef idx="minor">
+          <a:schemeClr val="lt1"/>
+        </a:fontRef>
+      </dsp:style>
+    </dsp:sp>
+    <dsp:sp modelId="{E351507B-05DA-4CDA-9BE7-F60150A057E7}">
+      <dsp:nvSpPr>
+        <dsp:cNvPr id="0" name=""/>
+        <dsp:cNvSpPr/>
+      </dsp:nvSpPr>
+      <dsp:spPr>
+        <a:xfrm>
+          <a:off x="1924822" y="1614468"/>
+          <a:ext cx="853755" cy="853755"/>
+        </a:xfrm>
+        <a:prstGeom prst="rect">
+          <a:avLst/>
+        </a:prstGeom>
+        <a:noFill/>
+        <a:ln>
+          <a:noFill/>
+        </a:ln>
+        <a:effectLst/>
+      </dsp:spPr>
+      <dsp:style>
+        <a:lnRef idx="0">
+          <a:scrgbClr r="0" g="0" b="0"/>
+        </a:lnRef>
+        <a:fillRef idx="0">
+          <a:scrgbClr r="0" g="0" b="0"/>
+        </a:fillRef>
+        <a:effectRef idx="0">
+          <a:scrgbClr r="0" g="0" b="0"/>
+        </a:effectRef>
+        <a:fontRef idx="minor"/>
+      </dsp:style>
+      <dsp:txBody>
+        <a:bodyPr spcFirstLastPara="0" vert="horz" wrap="square" lIns="17780" tIns="17780" rIns="17780" bIns="17780" numCol="1" spcCol="1270" anchor="ctr" anchorCtr="0">
+          <a:noAutofit/>
+        </a:bodyPr>
+        <a:lstStyle/>
+        <a:p>
+          <a:pPr lvl="0" algn="ctr" defTabSz="622300">
+            <a:lnSpc>
+              <a:spcPct val="90000"/>
+            </a:lnSpc>
+            <a:spcBef>
+              <a:spcPct val="0"/>
+            </a:spcBef>
+            <a:spcAft>
+              <a:spcPct val="35000"/>
+            </a:spcAft>
+          </a:pPr>
+          <a:r>
+            <a:rPr lang="en-GB" sz="1400" kern="1200" dirty="0" smtClean="0"/>
+            <a:t>Propagate</a:t>
+          </a:r>
+          <a:endParaRPr lang="en-US" sz="1400" kern="1200" dirty="0"/>
+        </a:p>
+      </dsp:txBody>
+      <dsp:txXfrm>
+        <a:off x="1924822" y="1614468"/>
+        <a:ext cx="853755" cy="853755"/>
+      </dsp:txXfrm>
+    </dsp:sp>
+    <dsp:sp modelId="{6A4C8F65-92D7-4E59-8C09-5FA5296855EC}">
+      <dsp:nvSpPr>
+        <dsp:cNvPr id="0" name=""/>
+        <dsp:cNvSpPr/>
+      </dsp:nvSpPr>
+      <dsp:spPr>
+        <a:xfrm>
+          <a:off x="2101729" y="-883"/>
+          <a:ext cx="3205402" cy="3205402"/>
+        </a:xfrm>
+        <a:prstGeom prst="circularArrow">
+          <a:avLst>
+            <a:gd name="adj1" fmla="val 5194"/>
+            <a:gd name="adj2" fmla="val 335450"/>
+            <a:gd name="adj3" fmla="val 12299963"/>
+            <a:gd name="adj4" fmla="val 10769423"/>
+            <a:gd name="adj5" fmla="val 6059"/>
+          </a:avLst>
+        </a:prstGeom>
+        <a:solidFill>
+          <a:schemeClr val="accent1">
+            <a:hueOff val="0"/>
+            <a:satOff val="0"/>
+            <a:lumOff val="0"/>
+            <a:alphaOff val="0"/>
+          </a:schemeClr>
+        </a:solidFill>
+        <a:ln w="19050" cap="flat" cmpd="sng" algn="ctr">
+          <a:solidFill>
+            <a:schemeClr val="lt1">
+              <a:hueOff val="0"/>
+              <a:satOff val="0"/>
+              <a:lumOff val="0"/>
+              <a:alphaOff val="0"/>
+            </a:schemeClr>
+          </a:solidFill>
+          <a:prstDash val="solid"/>
+        </a:ln>
+        <a:effectLst/>
+      </dsp:spPr>
+      <dsp:style>
+        <a:lnRef idx="2">
+          <a:scrgbClr r="0" g="0" b="0"/>
+        </a:lnRef>
+        <a:fillRef idx="1">
+          <a:scrgbClr r="0" g="0" b="0"/>
+        </a:fillRef>
+        <a:effectRef idx="0">
+          <a:scrgbClr r="0" g="0" b="0"/>
+        </a:effectRef>
+        <a:fontRef idx="minor">
+          <a:schemeClr val="lt1"/>
+        </a:fontRef>
+      </dsp:style>
+    </dsp:sp>
+    <dsp:sp modelId="{9E5B56E0-1B18-4ED7-9A1E-925CC12CDEC8}">
+      <dsp:nvSpPr>
+        <dsp:cNvPr id="0" name=""/>
+        <dsp:cNvSpPr/>
+      </dsp:nvSpPr>
+      <dsp:spPr>
+        <a:xfrm>
+          <a:off x="2441519" y="24238"/>
+          <a:ext cx="853755" cy="853755"/>
+        </a:xfrm>
+        <a:prstGeom prst="rect">
+          <a:avLst/>
+        </a:prstGeom>
+        <a:noFill/>
+        <a:ln>
+          <a:noFill/>
+        </a:ln>
+        <a:effectLst/>
+      </dsp:spPr>
+      <dsp:style>
+        <a:lnRef idx="0">
+          <a:scrgbClr r="0" g="0" b="0"/>
+        </a:lnRef>
+        <a:fillRef idx="0">
+          <a:scrgbClr r="0" g="0" b="0"/>
+        </a:fillRef>
+        <a:effectRef idx="0">
+          <a:scrgbClr r="0" g="0" b="0"/>
+        </a:effectRef>
+        <a:fontRef idx="minor"/>
+      </dsp:style>
+      <dsp:txBody>
+        <a:bodyPr spcFirstLastPara="0" vert="horz" wrap="square" lIns="17780" tIns="17780" rIns="17780" bIns="17780" numCol="1" spcCol="1270" anchor="ctr" anchorCtr="0">
+          <a:noAutofit/>
+        </a:bodyPr>
+        <a:lstStyle/>
+        <a:p>
+          <a:pPr lvl="0" algn="ctr" defTabSz="622300">
+            <a:lnSpc>
+              <a:spcPct val="90000"/>
+            </a:lnSpc>
+            <a:spcBef>
+              <a:spcPct val="0"/>
+            </a:spcBef>
+            <a:spcAft>
+              <a:spcPct val="35000"/>
+            </a:spcAft>
+          </a:pPr>
+          <a:r>
+            <a:rPr lang="en-GB" sz="1400" kern="1200" dirty="0" smtClean="0"/>
+            <a:t>Discover</a:t>
+          </a:r>
+          <a:endParaRPr lang="en-US" sz="1400" kern="1200" dirty="0"/>
+        </a:p>
+      </dsp:txBody>
+      <dsp:txXfrm>
+        <a:off x="2441519" y="24238"/>
+        <a:ext cx="853755" cy="853755"/>
+      </dsp:txXfrm>
+    </dsp:sp>
+    <dsp:sp modelId="{BDA131D9-E225-4178-8BC3-03290301CEA4}">
+      <dsp:nvSpPr>
+        <dsp:cNvPr id="0" name=""/>
+        <dsp:cNvSpPr/>
+      </dsp:nvSpPr>
+      <dsp:spPr>
+        <a:xfrm>
+          <a:off x="2101729" y="-883"/>
+          <a:ext cx="3205402" cy="3205402"/>
+        </a:xfrm>
+        <a:prstGeom prst="circularArrow">
+          <a:avLst>
+            <a:gd name="adj1" fmla="val 5194"/>
+            <a:gd name="adj2" fmla="val 335450"/>
+            <a:gd name="adj3" fmla="val 16867635"/>
+            <a:gd name="adj4" fmla="val 15196915"/>
+            <a:gd name="adj5" fmla="val 6059"/>
+          </a:avLst>
+        </a:prstGeom>
+        <a:solidFill>
+          <a:schemeClr val="accent1">
+            <a:hueOff val="0"/>
+            <a:satOff val="0"/>
+            <a:lumOff val="0"/>
+            <a:alphaOff val="0"/>
+          </a:schemeClr>
+        </a:solidFill>
+        <a:ln w="19050" cap="flat" cmpd="sng" algn="ctr">
+          <a:solidFill>
+            <a:schemeClr val="lt1">
+              <a:hueOff val="0"/>
+              <a:satOff val="0"/>
+              <a:lumOff val="0"/>
+              <a:alphaOff val="0"/>
+            </a:schemeClr>
+          </a:solidFill>
+          <a:prstDash val="solid"/>
+        </a:ln>
+        <a:effectLst/>
+      </dsp:spPr>
+      <dsp:style>
+        <a:lnRef idx="2">
+          <a:scrgbClr r="0" g="0" b="0"/>
+        </a:lnRef>
+        <a:fillRef idx="1">
+          <a:scrgbClr r="0" g="0" b="0"/>
+        </a:fillRef>
+        <a:effectRef idx="0">
+          <a:scrgbClr r="0" g="0" b="0"/>
+        </a:effectRef>
+        <a:fontRef idx="minor">
+          <a:schemeClr val="lt1"/>
+        </a:fontRef>
+      </dsp:style>
+    </dsp:sp>
   </dsp:spTree>
 </dsp:drawing>
 </file>
@@ -2647,7 +3222,7 @@
           <a:p>
             <a:fld id="{2CCF36E8-A5E5-45ED-BE86-6A5774501F93}" type="datetimeFigureOut">
               <a:rPr lang="en-US" smtClean="0"/>
-              <a:t>6/13/2017</a:t>
+              <a:t>6/20/2017</a:t>
             </a:fld>
             <a:endParaRPr lang="en-US"/>
           </a:p>
@@ -4892,7 +5467,7 @@
           <a:p>
             <a:fld id="{C7740982-4C07-45D9-83E2-34FF5EB0E1D3}" type="datetimeFigureOut">
               <a:rPr lang="en-US" smtClean="0"/>
-              <a:t>6/13/2017</a:t>
+              <a:t>6/20/2017</a:t>
             </a:fld>
             <a:endParaRPr lang="en-US"/>
           </a:p>
@@ -5075,7 +5650,7 @@
           <a:p>
             <a:fld id="{BA776908-7CED-49C4-9DEC-A1005F2F9065}" type="datetimeFigureOut">
               <a:rPr lang="en-US" smtClean="0"/>
-              <a:t>6/13/2017</a:t>
+              <a:t>6/20/2017</a:t>
             </a:fld>
             <a:endParaRPr lang="en-US"/>
           </a:p>
@@ -5250,7 +5825,7 @@
           <a:p>
             <a:fld id="{BA776908-7CED-49C4-9DEC-A1005F2F9065}" type="datetimeFigureOut">
               <a:rPr lang="en-US" smtClean="0"/>
-              <a:t>6/13/2017</a:t>
+              <a:t>6/20/2017</a:t>
             </a:fld>
             <a:endParaRPr lang="en-US"/>
           </a:p>
@@ -5415,7 +5990,7 @@
           <a:p>
             <a:fld id="{BA776908-7CED-49C4-9DEC-A1005F2F9065}" type="datetimeFigureOut">
               <a:rPr lang="en-US" smtClean="0"/>
-              <a:t>6/13/2017</a:t>
+              <a:t>6/20/2017</a:t>
             </a:fld>
             <a:endParaRPr lang="en-US"/>
           </a:p>
@@ -5636,7 +6211,7 @@
           <a:p>
             <a:fld id="{BA776908-7CED-49C4-9DEC-A1005F2F9065}" type="datetimeFigureOut">
               <a:rPr lang="en-US" smtClean="0"/>
-              <a:t>6/13/2017</a:t>
+              <a:t>6/20/2017</a:t>
             </a:fld>
             <a:endParaRPr lang="en-US"/>
           </a:p>
@@ -5895,7 +6470,7 @@
           <a:p>
             <a:fld id="{BA776908-7CED-49C4-9DEC-A1005F2F9065}" type="datetimeFigureOut">
               <a:rPr lang="en-US" smtClean="0"/>
-              <a:t>6/13/2017</a:t>
+              <a:t>6/20/2017</a:t>
             </a:fld>
             <a:endParaRPr lang="en-US"/>
           </a:p>
@@ -6299,7 +6874,7 @@
           <a:p>
             <a:fld id="{BA776908-7CED-49C4-9DEC-A1005F2F9065}" type="datetimeFigureOut">
               <a:rPr lang="en-US" smtClean="0"/>
-              <a:t>6/13/2017</a:t>
+              <a:t>6/20/2017</a:t>
             </a:fld>
             <a:endParaRPr lang="en-US"/>
           </a:p>
@@ -6430,7 +7005,7 @@
           <a:p>
             <a:fld id="{BA776908-7CED-49C4-9DEC-A1005F2F9065}" type="datetimeFigureOut">
               <a:rPr lang="en-US" smtClean="0"/>
-              <a:t>6/13/2017</a:t>
+              <a:t>6/20/2017</a:t>
             </a:fld>
             <a:endParaRPr lang="en-US"/>
           </a:p>
@@ -6530,7 +7105,7 @@
           <a:p>
             <a:fld id="{BA776908-7CED-49C4-9DEC-A1005F2F9065}" type="datetimeFigureOut">
               <a:rPr lang="en-US" smtClean="0"/>
-              <a:t>6/13/2017</a:t>
+              <a:t>6/20/2017</a:t>
             </a:fld>
             <a:endParaRPr lang="en-US"/>
           </a:p>
@@ -6775,7 +7350,7 @@
           <a:p>
             <a:fld id="{BA776908-7CED-49C4-9DEC-A1005F2F9065}" type="datetimeFigureOut">
               <a:rPr lang="en-US" smtClean="0"/>
-              <a:t>6/13/2017</a:t>
+              <a:t>6/20/2017</a:t>
             </a:fld>
             <a:endParaRPr lang="en-US"/>
           </a:p>
@@ -7019,7 +7594,7 @@
           <a:p>
             <a:fld id="{BA776908-7CED-49C4-9DEC-A1005F2F9065}" type="datetimeFigureOut">
               <a:rPr lang="en-US" smtClean="0"/>
-              <a:t>6/13/2017</a:t>
+              <a:t>6/20/2017</a:t>
             </a:fld>
             <a:endParaRPr lang="en-US"/>
           </a:p>
@@ -7843,7 +8418,7 @@
           <a:p>
             <a:fld id="{BA776908-7CED-49C4-9DEC-A1005F2F9065}" type="datetimeFigureOut">
               <a:rPr lang="en-US" smtClean="0"/>
-              <a:t>6/13/2017</a:t>
+              <a:t>6/20/2017</a:t>
             </a:fld>
             <a:endParaRPr lang="en-US"/>
           </a:p>
@@ -12319,7 +12894,7 @@
 </file>
 
 <file path=ppt/slides/slide4.xml><?xml version="1.0" encoding="utf-8"?>
-<p:sld xmlns:a="http://schemas.openxmlformats.org/drawingml/2006/main" xmlns:r="http://schemas.openxmlformats.org/officeDocument/2006/relationships" xmlns:p="http://schemas.openxmlformats.org/presentationml/2006/main">
+<p:sld xmlns:a="http://schemas.openxmlformats.org/drawingml/2006/main" xmlns:r="http://schemas.openxmlformats.org/officeDocument/2006/relationships" xmlns:p="http://schemas.openxmlformats.org/presentationml/2006/main" show="0">
   <p:cSld>
     <p:spTree>
       <p:nvGrpSpPr>
@@ -12468,13 +13043,13 @@
   <p:clrMapOvr>
     <a:masterClrMapping/>
   </p:clrMapOvr>
-  <mc:AlternateContent xmlns:mc="http://schemas.openxmlformats.org/markup-compatibility/2006" xmlns:p14="http://schemas.microsoft.com/office/powerpoint/2010/main">
-    <mc:Choice Requires="p14">
+  <mc:AlternateContent xmlns:mc="http://schemas.openxmlformats.org/markup-compatibility/2006">
+    <mc:Choice xmlns:p14="http://schemas.microsoft.com/office/powerpoint/2010/main" Requires="p14">
       <p:transition spd="slow" p14:dur="3400">
         <p14:reveal/>
       </p:transition>
     </mc:Choice>
-    <mc:Fallback xmlns="">
+    <mc:Fallback>
       <p:transition spd="slow">
         <p:fade/>
       </p:transition>
